--- a/MLPresentationFightingMongooses.pptx
+++ b/MLPresentationFightingMongooses.pptx
@@ -12,10 +12,10 @@
     <p:sldId id="261" r:id="rId6"/>
     <p:sldId id="262" r:id="rId7"/>
     <p:sldId id="264" r:id="rId8"/>
-    <p:sldId id="265" r:id="rId9"/>
-    <p:sldId id="266" r:id="rId10"/>
-    <p:sldId id="268" r:id="rId11"/>
-    <p:sldId id="269" r:id="rId12"/>
+    <p:sldId id="266" r:id="rId9"/>
+    <p:sldId id="268" r:id="rId10"/>
+    <p:sldId id="269" r:id="rId11"/>
+    <p:sldId id="265" r:id="rId12"/>
     <p:sldId id="270" r:id="rId13"/>
     <p:sldId id="271" r:id="rId14"/>
   </p:sldIdLst>
@@ -198,7 +198,7 @@
           </a:lstStyle>
           <a:p>
             <a:r>
-              <a:rPr lang="en-US" smtClean="0"/>
+              <a:rPr lang="en-US"/>
               <a:t>Click to edit Master title style</a:t>
             </a:r>
             <a:endParaRPr lang="en-US" dirty="0"/>
@@ -265,7 +265,7 @@
           </a:lstStyle>
           <a:p>
             <a:r>
-              <a:rPr lang="en-US" smtClean="0"/>
+              <a:rPr lang="en-US"/>
               <a:t>Click to edit Master subtitle style</a:t>
             </a:r>
             <a:endParaRPr lang="en-US" dirty="0"/>
@@ -294,7 +294,7 @@
           <a:p>
             <a:fld id="{48A87A34-81AB-432B-8DAE-1953F412C126}" type="datetimeFigureOut">
               <a:rPr lang="en-US" dirty="0"/>
-              <a:t>3/11/18</a:t>
+              <a:t>3/12/2018</a:t>
             </a:fld>
             <a:endParaRPr lang="en-US" dirty="0"/>
           </a:p>
@@ -402,7 +402,7 @@
           </a:lstStyle>
           <a:p>
             <a:r>
-              <a:rPr lang="en-US" smtClean="0"/>
+              <a:rPr lang="en-US"/>
               <a:t>Click to edit Master title style</a:t>
             </a:r>
             <a:endParaRPr lang="en-US" dirty="0"/>
@@ -467,7 +467,7 @@
           </a:lstStyle>
           <a:p>
             <a:r>
-              <a:rPr lang="en-US" smtClean="0"/>
+              <a:rPr lang="en-US"/>
               <a:t>Drag picture to placeholder or click icon to add</a:t>
             </a:r>
             <a:endParaRPr lang="en-US" dirty="0"/>
@@ -533,7 +533,7 @@
           <a:p>
             <a:pPr lvl="0"/>
             <a:r>
-              <a:rPr lang="en-US" smtClean="0"/>
+              <a:rPr lang="en-US"/>
               <a:t>Click to edit Master text styles</a:t>
             </a:r>
           </a:p>
@@ -556,7 +556,7 @@
           <a:p>
             <a:fld id="{48A87A34-81AB-432B-8DAE-1953F412C126}" type="datetimeFigureOut">
               <a:rPr lang="en-US" dirty="0"/>
-              <a:t>3/11/18</a:t>
+              <a:t>3/12/2018</a:t>
             </a:fld>
             <a:endParaRPr lang="en-US" dirty="0"/>
           </a:p>
@@ -684,7 +684,7 @@
           </a:lstStyle>
           <a:p>
             <a:r>
-              <a:rPr lang="en-US" smtClean="0"/>
+              <a:rPr lang="en-US"/>
               <a:t>Click to edit Master title style</a:t>
             </a:r>
             <a:endParaRPr lang="en-US" dirty="0"/>
@@ -750,7 +750,7 @@
           <a:p>
             <a:pPr lvl="0"/>
             <a:r>
-              <a:rPr lang="en-US" smtClean="0"/>
+              <a:rPr lang="en-US"/>
               <a:t>Click to edit Master text styles</a:t>
             </a:r>
           </a:p>
@@ -783,7 +783,7 @@
             <a:fld id="{48A87A34-81AB-432B-8DAE-1953F412C126}" type="datetimeFigureOut">
               <a:rPr lang="en-US" dirty="0"/>
               <a:pPr/>
-              <a:t>3/11/18</a:t>
+              <a:t>3/12/2018</a:t>
             </a:fld>
             <a:endParaRPr lang="en-US" dirty="0"/>
           </a:p>
@@ -921,7 +921,7 @@
           </a:lstStyle>
           <a:p>
             <a:r>
-              <a:rPr lang="en-US" smtClean="0"/>
+              <a:rPr lang="en-US"/>
               <a:t>Click to edit Master title style</a:t>
             </a:r>
             <a:endParaRPr lang="en-US" dirty="0"/>
@@ -989,7 +989,7 @@
           <a:p>
             <a:pPr lvl="0"/>
             <a:r>
-              <a:rPr lang="en-US" smtClean="0"/>
+              <a:rPr lang="en-US"/>
               <a:t>Click to edit Master text styles</a:t>
             </a:r>
           </a:p>
@@ -1056,7 +1056,7 @@
           <a:p>
             <a:pPr lvl="0"/>
             <a:r>
-              <a:rPr lang="en-US" smtClean="0"/>
+              <a:rPr lang="en-US"/>
               <a:t>Click to edit Master text styles</a:t>
             </a:r>
           </a:p>
@@ -1089,7 +1089,7 @@
             <a:fld id="{48A87A34-81AB-432B-8DAE-1953F412C126}" type="datetimeFigureOut">
               <a:rPr lang="en-US" dirty="0"/>
               <a:pPr/>
-              <a:t>3/11/18</a:t>
+              <a:t>3/12/2018</a:t>
             </a:fld>
             <a:endParaRPr lang="en-US" dirty="0"/>
           </a:p>
@@ -1459,7 +1459,7 @@
           </a:lstStyle>
           <a:p>
             <a:r>
-              <a:rPr lang="en-US" smtClean="0"/>
+              <a:rPr lang="en-US"/>
               <a:t>Click to edit Master title style</a:t>
             </a:r>
             <a:endParaRPr lang="en-US" dirty="0"/>
@@ -1525,7 +1525,7 @@
           <a:p>
             <a:pPr lvl="0"/>
             <a:r>
-              <a:rPr lang="en-US" smtClean="0"/>
+              <a:rPr lang="en-US"/>
               <a:t>Click to edit Master text styles</a:t>
             </a:r>
           </a:p>
@@ -1558,7 +1558,7 @@
             <a:fld id="{48A87A34-81AB-432B-8DAE-1953F412C126}" type="datetimeFigureOut">
               <a:rPr lang="en-US" dirty="0"/>
               <a:pPr/>
-              <a:t>3/11/18</a:t>
+              <a:t>3/12/2018</a:t>
             </a:fld>
             <a:endParaRPr lang="en-US" dirty="0"/>
           </a:p>
@@ -1662,7 +1662,7 @@
           <a:lstStyle/>
           <a:p>
             <a:r>
-              <a:rPr lang="en-US" smtClean="0"/>
+              <a:rPr lang="en-US"/>
               <a:t>Click to edit Master title style</a:t>
             </a:r>
             <a:endParaRPr lang="en-US" dirty="0"/>
@@ -1734,7 +1734,7 @@
           <a:p>
             <a:pPr lvl="0"/>
             <a:r>
-              <a:rPr lang="en-US" smtClean="0"/>
+              <a:rPr lang="en-US"/>
               <a:t>Click to edit Master text styles</a:t>
             </a:r>
           </a:p>
@@ -1801,7 +1801,7 @@
           <a:p>
             <a:pPr lvl="0"/>
             <a:r>
-              <a:rPr lang="en-US" smtClean="0"/>
+              <a:rPr lang="en-US"/>
               <a:t>Click to edit Master text styles</a:t>
             </a:r>
           </a:p>
@@ -1872,7 +1872,7 @@
           <a:p>
             <a:pPr lvl="0"/>
             <a:r>
-              <a:rPr lang="en-US" smtClean="0"/>
+              <a:rPr lang="en-US"/>
               <a:t>Click to edit Master text styles</a:t>
             </a:r>
           </a:p>
@@ -1939,7 +1939,7 @@
           <a:p>
             <a:pPr lvl="0"/>
             <a:r>
-              <a:rPr lang="en-US" smtClean="0"/>
+              <a:rPr lang="en-US"/>
               <a:t>Click to edit Master text styles</a:t>
             </a:r>
           </a:p>
@@ -2010,7 +2010,7 @@
           <a:p>
             <a:pPr lvl="0"/>
             <a:r>
-              <a:rPr lang="en-US" smtClean="0"/>
+              <a:rPr lang="en-US"/>
               <a:t>Click to edit Master text styles</a:t>
             </a:r>
           </a:p>
@@ -2077,7 +2077,7 @@
           <a:p>
             <a:pPr lvl="0"/>
             <a:r>
-              <a:rPr lang="en-US" smtClean="0"/>
+              <a:rPr lang="en-US"/>
               <a:t>Click to edit Master text styles</a:t>
             </a:r>
           </a:p>
@@ -2100,7 +2100,7 @@
           <a:p>
             <a:fld id="{48A87A34-81AB-432B-8DAE-1953F412C126}" type="datetimeFigureOut">
               <a:rPr lang="en-US" dirty="0"/>
-              <a:t>3/11/18</a:t>
+              <a:t>3/12/2018</a:t>
             </a:fld>
             <a:endParaRPr lang="en-US" dirty="0"/>
           </a:p>
@@ -2194,7 +2194,7 @@
           <a:lstStyle/>
           <a:p>
             <a:r>
-              <a:rPr lang="en-US" smtClean="0"/>
+              <a:rPr lang="en-US"/>
               <a:t>Click to edit Master title style</a:t>
             </a:r>
             <a:endParaRPr lang="en-US" dirty="0"/>
@@ -2266,7 +2266,7 @@
           <a:p>
             <a:pPr lvl="0"/>
             <a:r>
-              <a:rPr lang="en-US" smtClean="0"/>
+              <a:rPr lang="en-US"/>
               <a:t>Click to edit Master text styles</a:t>
             </a:r>
           </a:p>
@@ -2344,7 +2344,7 @@
           </a:lstStyle>
           <a:p>
             <a:r>
-              <a:rPr lang="en-US" smtClean="0"/>
+              <a:rPr lang="en-US"/>
               <a:t>Drag picture to placeholder or click icon to add</a:t>
             </a:r>
             <a:endParaRPr lang="en-US" dirty="0"/>
@@ -2412,7 +2412,7 @@
           <a:p>
             <a:pPr lvl="0"/>
             <a:r>
-              <a:rPr lang="en-US" smtClean="0"/>
+              <a:rPr lang="en-US"/>
               <a:t>Click to edit Master text styles</a:t>
             </a:r>
           </a:p>
@@ -2483,7 +2483,7 @@
           <a:p>
             <a:pPr lvl="0"/>
             <a:r>
-              <a:rPr lang="en-US" smtClean="0"/>
+              <a:rPr lang="en-US"/>
               <a:t>Click to edit Master text styles</a:t>
             </a:r>
           </a:p>
@@ -2561,7 +2561,7 @@
           </a:lstStyle>
           <a:p>
             <a:r>
-              <a:rPr lang="en-US" smtClean="0"/>
+              <a:rPr lang="en-US"/>
               <a:t>Drag picture to placeholder or click icon to add</a:t>
             </a:r>
             <a:endParaRPr lang="en-US" dirty="0"/>
@@ -2629,7 +2629,7 @@
           <a:p>
             <a:pPr lvl="0"/>
             <a:r>
-              <a:rPr lang="en-US" smtClean="0"/>
+              <a:rPr lang="en-US"/>
               <a:t>Click to edit Master text styles</a:t>
             </a:r>
           </a:p>
@@ -2700,7 +2700,7 @@
           <a:p>
             <a:pPr lvl="0"/>
             <a:r>
-              <a:rPr lang="en-US" smtClean="0"/>
+              <a:rPr lang="en-US"/>
               <a:t>Click to edit Master text styles</a:t>
             </a:r>
           </a:p>
@@ -2778,7 +2778,7 @@
           </a:lstStyle>
           <a:p>
             <a:r>
-              <a:rPr lang="en-US" smtClean="0"/>
+              <a:rPr lang="en-US"/>
               <a:t>Drag picture to placeholder or click icon to add</a:t>
             </a:r>
             <a:endParaRPr lang="en-US" dirty="0"/>
@@ -2846,7 +2846,7 @@
           <a:p>
             <a:pPr lvl="0"/>
             <a:r>
-              <a:rPr lang="en-US" smtClean="0"/>
+              <a:rPr lang="en-US"/>
               <a:t>Click to edit Master text styles</a:t>
             </a:r>
           </a:p>
@@ -2869,7 +2869,7 @@
           <a:p>
             <a:fld id="{48A87A34-81AB-432B-8DAE-1953F412C126}" type="datetimeFigureOut">
               <a:rPr lang="en-US" dirty="0"/>
-              <a:t>3/11/18</a:t>
+              <a:t>3/12/2018</a:t>
             </a:fld>
             <a:endParaRPr lang="en-US" dirty="0"/>
           </a:p>
@@ -2958,7 +2958,7 @@
           <a:lstStyle/>
           <a:p>
             <a:r>
-              <a:rPr lang="en-US" smtClean="0"/>
+              <a:rPr lang="en-US"/>
               <a:t>Click to edit Master title style</a:t>
             </a:r>
             <a:endParaRPr lang="en-US" dirty="0"/>
@@ -2987,35 +2987,35 @@
           <a:p>
             <a:pPr lvl="0"/>
             <a:r>
-              <a:rPr lang="en-US" smtClean="0"/>
+              <a:rPr lang="en-US"/>
               <a:t>Click to edit Master text styles</a:t>
             </a:r>
           </a:p>
           <a:p>
             <a:pPr lvl="1"/>
             <a:r>
-              <a:rPr lang="en-US" smtClean="0"/>
+              <a:rPr lang="en-US"/>
               <a:t>Second level</a:t>
             </a:r>
           </a:p>
           <a:p>
             <a:pPr lvl="2"/>
             <a:r>
-              <a:rPr lang="en-US" smtClean="0"/>
+              <a:rPr lang="en-US"/>
               <a:t>Third level</a:t>
             </a:r>
           </a:p>
           <a:p>
             <a:pPr lvl="3"/>
             <a:r>
-              <a:rPr lang="en-US" smtClean="0"/>
+              <a:rPr lang="en-US"/>
               <a:t>Fourth level</a:t>
             </a:r>
           </a:p>
           <a:p>
             <a:pPr lvl="4"/>
             <a:r>
-              <a:rPr lang="en-US" smtClean="0"/>
+              <a:rPr lang="en-US"/>
               <a:t>Fifth level</a:t>
             </a:r>
             <a:endParaRPr lang="en-US" dirty="0"/>
@@ -3039,7 +3039,7 @@
           <a:p>
             <a:fld id="{48A87A34-81AB-432B-8DAE-1953F412C126}" type="datetimeFigureOut">
               <a:rPr lang="en-US" dirty="0"/>
-              <a:t>3/11/18</a:t>
+              <a:t>3/12/2018</a:t>
             </a:fld>
             <a:endParaRPr lang="en-US" dirty="0"/>
           </a:p>
@@ -3167,7 +3167,7 @@
           </a:lstStyle>
           <a:p>
             <a:r>
-              <a:rPr lang="en-US" smtClean="0"/>
+              <a:rPr lang="en-US"/>
               <a:t>Click to edit Master title style</a:t>
             </a:r>
             <a:endParaRPr lang="en-US" dirty="0"/>
@@ -3196,35 +3196,35 @@
           <a:p>
             <a:pPr lvl="0"/>
             <a:r>
-              <a:rPr lang="en-US" smtClean="0"/>
+              <a:rPr lang="en-US"/>
               <a:t>Click to edit Master text styles</a:t>
             </a:r>
           </a:p>
           <a:p>
             <a:pPr lvl="1"/>
             <a:r>
-              <a:rPr lang="en-US" smtClean="0"/>
+              <a:rPr lang="en-US"/>
               <a:t>Second level</a:t>
             </a:r>
           </a:p>
           <a:p>
             <a:pPr lvl="2"/>
             <a:r>
-              <a:rPr lang="en-US" smtClean="0"/>
+              <a:rPr lang="en-US"/>
               <a:t>Third level</a:t>
             </a:r>
           </a:p>
           <a:p>
             <a:pPr lvl="3"/>
             <a:r>
-              <a:rPr lang="en-US" smtClean="0"/>
+              <a:rPr lang="en-US"/>
               <a:t>Fourth level</a:t>
             </a:r>
           </a:p>
           <a:p>
             <a:pPr lvl="4"/>
             <a:r>
-              <a:rPr lang="en-US" smtClean="0"/>
+              <a:rPr lang="en-US"/>
               <a:t>Fifth level</a:t>
             </a:r>
             <a:endParaRPr lang="en-US" dirty="0"/>
@@ -3258,7 +3258,7 @@
             <a:fld id="{48A87A34-81AB-432B-8DAE-1953F412C126}" type="datetimeFigureOut">
               <a:rPr lang="en-US" dirty="0"/>
               <a:pPr/>
-              <a:t>3/11/18</a:t>
+              <a:t>3/12/2018</a:t>
             </a:fld>
             <a:endParaRPr lang="en-US" dirty="0"/>
           </a:p>
@@ -3357,7 +3357,7 @@
           <a:lstStyle/>
           <a:p>
             <a:r>
-              <a:rPr lang="en-US" smtClean="0"/>
+              <a:rPr lang="en-US"/>
               <a:t>Click to edit Master title style</a:t>
             </a:r>
             <a:endParaRPr lang="en-US" dirty="0"/>
@@ -3381,35 +3381,35 @@
           <a:p>
             <a:pPr lvl="0"/>
             <a:r>
-              <a:rPr lang="en-US" smtClean="0"/>
+              <a:rPr lang="en-US"/>
               <a:t>Click to edit Master text styles</a:t>
             </a:r>
           </a:p>
           <a:p>
             <a:pPr lvl="1"/>
             <a:r>
-              <a:rPr lang="en-US" smtClean="0"/>
+              <a:rPr lang="en-US"/>
               <a:t>Second level</a:t>
             </a:r>
           </a:p>
           <a:p>
             <a:pPr lvl="2"/>
             <a:r>
-              <a:rPr lang="en-US" smtClean="0"/>
+              <a:rPr lang="en-US"/>
               <a:t>Third level</a:t>
             </a:r>
           </a:p>
           <a:p>
             <a:pPr lvl="3"/>
             <a:r>
-              <a:rPr lang="en-US" smtClean="0"/>
+              <a:rPr lang="en-US"/>
               <a:t>Fourth level</a:t>
             </a:r>
           </a:p>
           <a:p>
             <a:pPr lvl="4"/>
             <a:r>
-              <a:rPr lang="en-US" smtClean="0"/>
+              <a:rPr lang="en-US"/>
               <a:t>Fifth level</a:t>
             </a:r>
             <a:endParaRPr lang="en-US" dirty="0"/>
@@ -3433,7 +3433,7 @@
           <a:p>
             <a:fld id="{48A87A34-81AB-432B-8DAE-1953F412C126}" type="datetimeFigureOut">
               <a:rPr lang="en-US" dirty="0"/>
-              <a:t>3/11/18</a:t>
+              <a:t>3/12/2018</a:t>
             </a:fld>
             <a:endParaRPr lang="en-US" dirty="0"/>
           </a:p>
@@ -3563,7 +3563,7 @@
           </a:lstStyle>
           <a:p>
             <a:r>
-              <a:rPr lang="en-US" smtClean="0"/>
+              <a:rPr lang="en-US"/>
               <a:t>Click to edit Master title style</a:t>
             </a:r>
             <a:endParaRPr lang="en-US" dirty="0"/>
@@ -3685,7 +3685,7 @@
           <a:p>
             <a:pPr lvl="0"/>
             <a:r>
-              <a:rPr lang="en-US" smtClean="0"/>
+              <a:rPr lang="en-US"/>
               <a:t>Click to edit Master text styles</a:t>
             </a:r>
           </a:p>
@@ -3718,7 +3718,7 @@
             <a:fld id="{48A87A34-81AB-432B-8DAE-1953F412C126}" type="datetimeFigureOut">
               <a:rPr lang="en-US" dirty="0"/>
               <a:pPr/>
-              <a:t>3/11/18</a:t>
+              <a:t>3/12/2018</a:t>
             </a:fld>
             <a:endParaRPr lang="en-US" dirty="0"/>
           </a:p>
@@ -3817,7 +3817,7 @@
           <a:lstStyle/>
           <a:p>
             <a:r>
-              <a:rPr lang="en-US" smtClean="0"/>
+              <a:rPr lang="en-US"/>
               <a:t>Click to edit Master title style</a:t>
             </a:r>
             <a:endParaRPr lang="en-US" dirty="0"/>
@@ -3846,35 +3846,35 @@
           <a:p>
             <a:pPr lvl="0"/>
             <a:r>
-              <a:rPr lang="en-US" smtClean="0"/>
+              <a:rPr lang="en-US"/>
               <a:t>Click to edit Master text styles</a:t>
             </a:r>
           </a:p>
           <a:p>
             <a:pPr lvl="1"/>
             <a:r>
-              <a:rPr lang="en-US" smtClean="0"/>
+              <a:rPr lang="en-US"/>
               <a:t>Second level</a:t>
             </a:r>
           </a:p>
           <a:p>
             <a:pPr lvl="2"/>
             <a:r>
-              <a:rPr lang="en-US" smtClean="0"/>
+              <a:rPr lang="en-US"/>
               <a:t>Third level</a:t>
             </a:r>
           </a:p>
           <a:p>
             <a:pPr lvl="3"/>
             <a:r>
-              <a:rPr lang="en-US" smtClean="0"/>
+              <a:rPr lang="en-US"/>
               <a:t>Fourth level</a:t>
             </a:r>
           </a:p>
           <a:p>
             <a:pPr lvl="4"/>
             <a:r>
-              <a:rPr lang="en-US" smtClean="0"/>
+              <a:rPr lang="en-US"/>
               <a:t>Fifth level</a:t>
             </a:r>
             <a:endParaRPr lang="en-US" dirty="0"/>
@@ -3903,35 +3903,35 @@
           <a:p>
             <a:pPr lvl="0"/>
             <a:r>
-              <a:rPr lang="en-US" smtClean="0"/>
+              <a:rPr lang="en-US"/>
               <a:t>Click to edit Master text styles</a:t>
             </a:r>
           </a:p>
           <a:p>
             <a:pPr lvl="1"/>
             <a:r>
-              <a:rPr lang="en-US" smtClean="0"/>
+              <a:rPr lang="en-US"/>
               <a:t>Second level</a:t>
             </a:r>
           </a:p>
           <a:p>
             <a:pPr lvl="2"/>
             <a:r>
-              <a:rPr lang="en-US" smtClean="0"/>
+              <a:rPr lang="en-US"/>
               <a:t>Third level</a:t>
             </a:r>
           </a:p>
           <a:p>
             <a:pPr lvl="3"/>
             <a:r>
-              <a:rPr lang="en-US" smtClean="0"/>
+              <a:rPr lang="en-US"/>
               <a:t>Fourth level</a:t>
             </a:r>
           </a:p>
           <a:p>
             <a:pPr lvl="4"/>
             <a:r>
-              <a:rPr lang="en-US" smtClean="0"/>
+              <a:rPr lang="en-US"/>
               <a:t>Fifth level</a:t>
             </a:r>
             <a:endParaRPr lang="en-US" dirty="0"/>
@@ -3955,7 +3955,7 @@
           <a:p>
             <a:fld id="{48A87A34-81AB-432B-8DAE-1953F412C126}" type="datetimeFigureOut">
               <a:rPr lang="en-US" dirty="0"/>
-              <a:t>3/11/18</a:t>
+              <a:t>3/12/2018</a:t>
             </a:fld>
             <a:endParaRPr lang="en-US" dirty="0"/>
           </a:p>
@@ -4049,7 +4049,7 @@
           <a:lstStyle/>
           <a:p>
             <a:r>
-              <a:rPr lang="en-US" smtClean="0"/>
+              <a:rPr lang="en-US"/>
               <a:t>Click to edit Master title style</a:t>
             </a:r>
             <a:endParaRPr lang="en-US" dirty="0"/>
@@ -4121,7 +4121,7 @@
           <a:p>
             <a:pPr lvl="0"/>
             <a:r>
-              <a:rPr lang="en-US" smtClean="0"/>
+              <a:rPr lang="en-US"/>
               <a:t>Click to edit Master text styles</a:t>
             </a:r>
           </a:p>
@@ -4149,35 +4149,35 @@
           <a:p>
             <a:pPr lvl="0"/>
             <a:r>
-              <a:rPr lang="en-US" smtClean="0"/>
+              <a:rPr lang="en-US"/>
               <a:t>Click to edit Master text styles</a:t>
             </a:r>
           </a:p>
           <a:p>
             <a:pPr lvl="1"/>
             <a:r>
-              <a:rPr lang="en-US" smtClean="0"/>
+              <a:rPr lang="en-US"/>
               <a:t>Second level</a:t>
             </a:r>
           </a:p>
           <a:p>
             <a:pPr lvl="2"/>
             <a:r>
-              <a:rPr lang="en-US" smtClean="0"/>
+              <a:rPr lang="en-US"/>
               <a:t>Third level</a:t>
             </a:r>
           </a:p>
           <a:p>
             <a:pPr lvl="3"/>
             <a:r>
-              <a:rPr lang="en-US" smtClean="0"/>
+              <a:rPr lang="en-US"/>
               <a:t>Fourth level</a:t>
             </a:r>
           </a:p>
           <a:p>
             <a:pPr lvl="4"/>
             <a:r>
-              <a:rPr lang="en-US" smtClean="0"/>
+              <a:rPr lang="en-US"/>
               <a:t>Fifth level</a:t>
             </a:r>
             <a:endParaRPr lang="en-US" dirty="0"/>
@@ -4249,7 +4249,7 @@
           <a:p>
             <a:pPr lvl="0"/>
             <a:r>
-              <a:rPr lang="en-US" smtClean="0"/>
+              <a:rPr lang="en-US"/>
               <a:t>Click to edit Master text styles</a:t>
             </a:r>
           </a:p>
@@ -4277,35 +4277,35 @@
           <a:p>
             <a:pPr lvl="0"/>
             <a:r>
-              <a:rPr lang="en-US" smtClean="0"/>
+              <a:rPr lang="en-US"/>
               <a:t>Click to edit Master text styles</a:t>
             </a:r>
           </a:p>
           <a:p>
             <a:pPr lvl="1"/>
             <a:r>
-              <a:rPr lang="en-US" smtClean="0"/>
+              <a:rPr lang="en-US"/>
               <a:t>Second level</a:t>
             </a:r>
           </a:p>
           <a:p>
             <a:pPr lvl="2"/>
             <a:r>
-              <a:rPr lang="en-US" smtClean="0"/>
+              <a:rPr lang="en-US"/>
               <a:t>Third level</a:t>
             </a:r>
           </a:p>
           <a:p>
             <a:pPr lvl="3"/>
             <a:r>
-              <a:rPr lang="en-US" smtClean="0"/>
+              <a:rPr lang="en-US"/>
               <a:t>Fourth level</a:t>
             </a:r>
           </a:p>
           <a:p>
             <a:pPr lvl="4"/>
             <a:r>
-              <a:rPr lang="en-US" smtClean="0"/>
+              <a:rPr lang="en-US"/>
               <a:t>Fifth level</a:t>
             </a:r>
             <a:endParaRPr lang="en-US" dirty="0"/>
@@ -4329,7 +4329,7 @@
           <a:p>
             <a:fld id="{48A87A34-81AB-432B-8DAE-1953F412C126}" type="datetimeFigureOut">
               <a:rPr lang="en-US" dirty="0"/>
-              <a:t>3/11/18</a:t>
+              <a:t>3/12/2018</a:t>
             </a:fld>
             <a:endParaRPr lang="en-US" dirty="0"/>
           </a:p>
@@ -4418,7 +4418,7 @@
           <a:lstStyle/>
           <a:p>
             <a:r>
-              <a:rPr lang="en-US" smtClean="0"/>
+              <a:rPr lang="en-US"/>
               <a:t>Click to edit Master title style</a:t>
             </a:r>
             <a:endParaRPr lang="en-US" dirty="0"/>
@@ -4442,7 +4442,7 @@
           <a:p>
             <a:fld id="{48A87A34-81AB-432B-8DAE-1953F412C126}" type="datetimeFigureOut">
               <a:rPr lang="en-US" dirty="0"/>
-              <a:t>3/11/18</a:t>
+              <a:t>3/12/2018</a:t>
             </a:fld>
             <a:endParaRPr lang="en-US" dirty="0"/>
           </a:p>
@@ -4532,7 +4532,7 @@
           <a:p>
             <a:fld id="{48A87A34-81AB-432B-8DAE-1953F412C126}" type="datetimeFigureOut">
               <a:rPr lang="en-US" dirty="0"/>
-              <a:t>3/11/18</a:t>
+              <a:t>3/12/2018</a:t>
             </a:fld>
             <a:endParaRPr lang="en-US" dirty="0"/>
           </a:p>
@@ -4630,7 +4630,7 @@
           </a:lstStyle>
           <a:p>
             <a:r>
-              <a:rPr lang="en-US" smtClean="0"/>
+              <a:rPr lang="en-US"/>
               <a:t>Click to edit Master title style</a:t>
             </a:r>
             <a:endParaRPr lang="en-US" dirty="0"/>
@@ -4659,35 +4659,35 @@
           <a:p>
             <a:pPr lvl="0"/>
             <a:r>
-              <a:rPr lang="en-US" smtClean="0"/>
+              <a:rPr lang="en-US"/>
               <a:t>Click to edit Master text styles</a:t>
             </a:r>
           </a:p>
           <a:p>
             <a:pPr lvl="1"/>
             <a:r>
-              <a:rPr lang="en-US" smtClean="0"/>
+              <a:rPr lang="en-US"/>
               <a:t>Second level</a:t>
             </a:r>
           </a:p>
           <a:p>
             <a:pPr lvl="2"/>
             <a:r>
-              <a:rPr lang="en-US" smtClean="0"/>
+              <a:rPr lang="en-US"/>
               <a:t>Third level</a:t>
             </a:r>
           </a:p>
           <a:p>
             <a:pPr lvl="3"/>
             <a:r>
-              <a:rPr lang="en-US" smtClean="0"/>
+              <a:rPr lang="en-US"/>
               <a:t>Fourth level</a:t>
             </a:r>
           </a:p>
           <a:p>
             <a:pPr lvl="4"/>
             <a:r>
-              <a:rPr lang="en-US" smtClean="0"/>
+              <a:rPr lang="en-US"/>
               <a:t>Fifth level</a:t>
             </a:r>
             <a:endParaRPr lang="en-US" dirty="0"/>
@@ -4753,7 +4753,7 @@
           <a:p>
             <a:pPr lvl="0"/>
             <a:r>
-              <a:rPr lang="en-US" smtClean="0"/>
+              <a:rPr lang="en-US"/>
               <a:t>Click to edit Master text styles</a:t>
             </a:r>
           </a:p>
@@ -4776,7 +4776,7 @@
           <a:p>
             <a:fld id="{48A87A34-81AB-432B-8DAE-1953F412C126}" type="datetimeFigureOut">
               <a:rPr lang="en-US" dirty="0"/>
-              <a:t>3/11/18</a:t>
+              <a:t>3/12/2018</a:t>
             </a:fld>
             <a:endParaRPr lang="en-US" dirty="0"/>
           </a:p>
@@ -4874,7 +4874,7 @@
           </a:lstStyle>
           <a:p>
             <a:r>
-              <a:rPr lang="en-US" smtClean="0"/>
+              <a:rPr lang="en-US"/>
               <a:t>Click to edit Master title style</a:t>
             </a:r>
             <a:endParaRPr lang="en-US" dirty="0"/>
@@ -4939,7 +4939,7 @@
           </a:lstStyle>
           <a:p>
             <a:r>
-              <a:rPr lang="en-US" smtClean="0"/>
+              <a:rPr lang="en-US"/>
               <a:t>Drag picture to placeholder or click icon to add</a:t>
             </a:r>
             <a:endParaRPr lang="en-US" dirty="0"/>
@@ -5005,7 +5005,7 @@
           <a:p>
             <a:pPr lvl="0"/>
             <a:r>
-              <a:rPr lang="en-US" smtClean="0"/>
+              <a:rPr lang="en-US"/>
               <a:t>Click to edit Master text styles</a:t>
             </a:r>
           </a:p>
@@ -5028,7 +5028,7 @@
           <a:p>
             <a:fld id="{48A87A34-81AB-432B-8DAE-1953F412C126}" type="datetimeFigureOut">
               <a:rPr lang="en-US" dirty="0"/>
-              <a:t>3/11/18</a:t>
+              <a:t>3/12/2018</a:t>
             </a:fld>
             <a:endParaRPr lang="en-US" dirty="0"/>
           </a:p>
@@ -5162,7 +5162,7 @@
           <a:lstStyle/>
           <a:p>
             <a:r>
-              <a:rPr lang="en-US" smtClean="0"/>
+              <a:rPr lang="en-US"/>
               <a:t>Click to edit Master title style</a:t>
             </a:r>
             <a:endParaRPr lang="en-US" dirty="0"/>
@@ -5196,35 +5196,35 @@
           <a:p>
             <a:pPr lvl="0"/>
             <a:r>
-              <a:rPr lang="en-US" smtClean="0"/>
+              <a:rPr lang="en-US"/>
               <a:t>Click to edit Master text styles</a:t>
             </a:r>
           </a:p>
           <a:p>
             <a:pPr lvl="1"/>
             <a:r>
-              <a:rPr lang="en-US" smtClean="0"/>
+              <a:rPr lang="en-US"/>
               <a:t>Second level</a:t>
             </a:r>
           </a:p>
           <a:p>
             <a:pPr lvl="2"/>
             <a:r>
-              <a:rPr lang="en-US" smtClean="0"/>
+              <a:rPr lang="en-US"/>
               <a:t>Third level</a:t>
             </a:r>
           </a:p>
           <a:p>
             <a:pPr lvl="3"/>
             <a:r>
-              <a:rPr lang="en-US" smtClean="0"/>
+              <a:rPr lang="en-US"/>
               <a:t>Fourth level</a:t>
             </a:r>
           </a:p>
           <a:p>
             <a:pPr lvl="4"/>
             <a:r>
-              <a:rPr lang="en-US" smtClean="0"/>
+              <a:rPr lang="en-US"/>
               <a:t>Fifth level</a:t>
             </a:r>
             <a:endParaRPr lang="en-US" dirty="0"/>
@@ -5267,7 +5267,7 @@
             <a:fld id="{48A87A34-81AB-432B-8DAE-1953F412C126}" type="datetimeFigureOut">
               <a:rPr lang="en-US" dirty="0"/>
               <a:pPr/>
-              <a:t>3/11/18</a:t>
+              <a:t>3/12/2018</a:t>
             </a:fld>
             <a:endParaRPr lang="en-US" dirty="0"/>
           </a:p>
@@ -5690,14 +5690,13 @@
           <a:lstStyle/>
           <a:p>
             <a:r>
-              <a:rPr lang="en-US" dirty="0" err="1" smtClean="0"/>
+              <a:rPr lang="en-US" dirty="0" err="1"/>
               <a:t>Kaggle</a:t>
             </a:r>
             <a:r>
-              <a:rPr lang="en-US" dirty="0" smtClean="0"/>
+              <a:rPr lang="en-US" dirty="0"/>
               <a:t> ML project</a:t>
             </a:r>
-            <a:endParaRPr lang="en-US" dirty="0"/>
           </a:p>
         </p:txBody>
       </p:sp>
@@ -5714,41 +5713,36 @@
         <p:spPr/>
         <p:txBody>
           <a:bodyPr>
-            <a:normAutofit fontScale="92500" lnSpcReduction="10000"/>
+            <a:normAutofit fontScale="85000" lnSpcReduction="10000"/>
           </a:bodyPr>
           <a:lstStyle/>
           <a:p>
             <a:r>
               <a:rPr lang="en-US" dirty="0"/>
-              <a:t>House Prices: Advanced Regression </a:t>
-            </a:r>
-            <a:r>
-              <a:rPr lang="en-US" dirty="0" smtClean="0"/>
-              <a:t>Techniques</a:t>
-            </a:r>
-          </a:p>
-          <a:p>
-            <a:r>
-              <a:rPr lang="en-US" dirty="0" smtClean="0"/>
+              <a:t>House Prices: Advanced Regression Techniques</a:t>
+            </a:r>
+          </a:p>
+          <a:p>
+            <a:r>
+              <a:rPr lang="en-US" dirty="0"/>
               <a:t>Team </a:t>
             </a:r>
             <a:r>
-              <a:rPr lang="en-US" dirty="0" err="1" smtClean="0"/>
-              <a:t>FightingMongii</a:t>
-            </a:r>
-            <a:r>
-              <a:rPr lang="en-US" dirty="0" smtClean="0"/>
+              <a:rPr lang="en-US" dirty="0" err="1"/>
+              <a:t>FightingMongooses</a:t>
+            </a:r>
+            <a:r>
+              <a:rPr lang="en-US" dirty="0"/>
               <a:t>: Billy Fallon, Gregory </a:t>
             </a:r>
             <a:r>
-              <a:rPr lang="en-US" dirty="0" err="1" smtClean="0"/>
+              <a:rPr lang="en-US" dirty="0" err="1"/>
               <a:t>Brucchieri</a:t>
             </a:r>
             <a:r>
-              <a:rPr lang="en-US" dirty="0" smtClean="0"/>
+              <a:rPr lang="en-US" dirty="0"/>
               <a:t>, Adrian Phillips-Samuels</a:t>
             </a:r>
-            <a:endParaRPr lang="en-US" dirty="0"/>
           </a:p>
           <a:p>
             <a:endParaRPr lang="en-US" dirty="0"/>
@@ -5801,16 +5795,20 @@
           <a:lstStyle/>
           <a:p>
             <a:r>
-              <a:rPr lang="en-US" dirty="0" smtClean="0"/>
+              <a:rPr lang="en-US" dirty="0"/>
               <a:t>Model 3 </a:t>
             </a:r>
             <a:r>
-              <a:rPr lang="mr-IN" dirty="0" smtClean="0"/>
+              <a:rPr lang="mr-IN" dirty="0"/>
               <a:t>–</a:t>
             </a:r>
             <a:r>
-              <a:rPr lang="en-US" dirty="0" smtClean="0"/>
-              <a:t> gradient boost</a:t>
+              <a:rPr lang="en-US" dirty="0"/>
+              <a:t> </a:t>
+            </a:r>
+            <a:r>
+              <a:rPr lang="en-US" dirty="0" err="1"/>
+              <a:t>XGBoost</a:t>
             </a:r>
             <a:endParaRPr lang="en-US" dirty="0"/>
           </a:p>
@@ -5828,17 +5826,123 @@
         </p:nvSpPr>
         <p:spPr/>
         <p:txBody>
-          <a:bodyPr/>
-          <a:lstStyle/>
-          <a:p>
-            <a:endParaRPr lang="en-US"/>
+          <a:bodyPr>
+            <a:normAutofit/>
+          </a:bodyPr>
+          <a:lstStyle/>
+          <a:p>
+            <a:r>
+              <a:rPr lang="en-US" dirty="0"/>
+              <a:t>Parameters: </a:t>
+            </a:r>
+            <a:r>
+              <a:rPr lang="en-US" dirty="0" err="1"/>
+              <a:t>base_score</a:t>
+            </a:r>
+            <a:r>
+              <a:rPr lang="en-US" dirty="0"/>
+              <a:t>=0.5, booster='</a:t>
+            </a:r>
+            <a:r>
+              <a:rPr lang="en-US" dirty="0" err="1"/>
+              <a:t>gbtree</a:t>
+            </a:r>
+            <a:r>
+              <a:rPr lang="en-US" dirty="0"/>
+              <a:t>’,  gamma=0.3, 				 </a:t>
+            </a:r>
+            <a:r>
+              <a:rPr lang="en-US" dirty="0" err="1"/>
+              <a:t>learning_rate</a:t>
+            </a:r>
+            <a:r>
+              <a:rPr lang="en-US" dirty="0"/>
+              <a:t>=0.1, </a:t>
+            </a:r>
+            <a:r>
+              <a:rPr lang="en-US" dirty="0" err="1"/>
+              <a:t>max_depth</a:t>
+            </a:r>
+            <a:r>
+              <a:rPr lang="en-US" dirty="0"/>
+              <a:t>=3,	 </a:t>
+            </a:r>
+            <a:r>
+              <a:rPr lang="en-US" dirty="0" err="1"/>
+              <a:t>n_estimators</a:t>
+            </a:r>
+            <a:r>
+              <a:rPr lang="en-US" dirty="0"/>
+              <a:t>=800, 				 subsample=0.6</a:t>
+            </a:r>
+          </a:p>
+          <a:p>
+            <a:r>
+              <a:rPr lang="en-US" dirty="0"/>
+              <a:t>Top Features:</a:t>
+            </a:r>
+          </a:p>
+          <a:p>
+            <a:pPr lvl="2"/>
+            <a:r>
+              <a:rPr lang="en-US" dirty="0"/>
+              <a:t>Total SF</a:t>
+            </a:r>
+          </a:p>
+          <a:p>
+            <a:pPr lvl="2"/>
+            <a:r>
+              <a:rPr lang="en-US" dirty="0"/>
+              <a:t>Overall Condition</a:t>
+            </a:r>
+          </a:p>
+          <a:p>
+            <a:pPr lvl="2"/>
+            <a:r>
+              <a:rPr lang="en-US" dirty="0"/>
+              <a:t>Lot Area</a:t>
+            </a:r>
+          </a:p>
+          <a:p>
+            <a:pPr lvl="2"/>
+            <a:r>
+              <a:rPr lang="en-US" dirty="0"/>
+              <a:t>Overall Quality</a:t>
+            </a:r>
+          </a:p>
+          <a:p>
+            <a:endParaRPr lang="en-US" dirty="0"/>
+          </a:p>
+          <a:p>
+            <a:r>
+              <a:rPr lang="en-US" dirty="0"/>
+              <a:t>RMSE: 0.0179</a:t>
+            </a:r>
+          </a:p>
+          <a:p>
+            <a:r>
+              <a:rPr lang="en-US" dirty="0"/>
+              <a:t>KAGGLE: 0.13783</a:t>
+            </a:r>
+          </a:p>
+          <a:p>
+            <a:endParaRPr lang="en-US" dirty="0"/>
+          </a:p>
+          <a:p>
+            <a:endParaRPr lang="en-US" dirty="0"/>
+          </a:p>
+          <a:p>
+            <a:endParaRPr lang="en-US" dirty="0"/>
+          </a:p>
+          <a:p>
+            <a:endParaRPr lang="en-US" dirty="0"/>
           </a:p>
         </p:txBody>
       </p:sp>
     </p:spTree>
     <p:extLst>
       <p:ext uri="{BB962C8B-B14F-4D97-AF65-F5344CB8AC3E}">
-        <p14:creationId xmlns:p14="http://schemas.microsoft.com/office/powerpoint/2010/main" val="851952222"/>
+        <p14:creationId xmlns:p14="http://schemas.microsoft.com/office/powerpoint/2010/main" val="230814497"/>
       </p:ext>
     </p:extLst>
   </p:cSld>
@@ -5875,50 +5979,112 @@
             <p:ph type="title"/>
           </p:nvPr>
         </p:nvSpPr>
+        <p:spPr>
+          <a:xfrm>
+            <a:off x="2381693" y="764373"/>
+            <a:ext cx="9124507" cy="1293028"/>
+          </a:xfrm>
+        </p:spPr>
+        <p:txBody>
+          <a:bodyPr/>
+          <a:lstStyle/>
+          <a:p>
+            <a:r>
+              <a:rPr lang="en-US" dirty="0"/>
+              <a:t>Model4 </a:t>
+            </a:r>
+            <a:r>
+              <a:rPr lang="mr-IN" dirty="0"/>
+              <a:t>–</a:t>
+            </a:r>
+            <a:r>
+              <a:rPr lang="en-US" dirty="0"/>
+              <a:t> Linear Regression</a:t>
+            </a:r>
+          </a:p>
+        </p:txBody>
+      </p:sp>
+      <p:sp>
+        <p:nvSpPr>
+          <p:cNvPr id="3" name="Content Placeholder 2"/>
+          <p:cNvSpPr>
+            <a:spLocks noGrp="1"/>
+          </p:cNvSpPr>
+          <p:nvPr>
+            <p:ph idx="1"/>
+          </p:nvPr>
+        </p:nvSpPr>
         <p:spPr/>
         <p:txBody>
-          <a:bodyPr/>
-          <a:lstStyle/>
-          <a:p>
-            <a:r>
-              <a:rPr lang="en-US" dirty="0" smtClean="0"/>
-              <a:t>Model 4 </a:t>
-            </a:r>
-            <a:r>
-              <a:rPr lang="mr-IN" dirty="0" smtClean="0"/>
-              <a:t>–</a:t>
-            </a:r>
-            <a:r>
-              <a:rPr lang="en-US" dirty="0" smtClean="0"/>
-              <a:t> random forest</a:t>
-            </a:r>
-            <a:endParaRPr lang="en-US" dirty="0"/>
-          </a:p>
-        </p:txBody>
-      </p:sp>
-      <p:sp>
-        <p:nvSpPr>
-          <p:cNvPr id="3" name="Content Placeholder 2"/>
-          <p:cNvSpPr>
-            <a:spLocks noGrp="1"/>
-          </p:cNvSpPr>
-          <p:nvPr>
-            <p:ph idx="1"/>
-          </p:nvPr>
-        </p:nvSpPr>
-        <p:spPr/>
-        <p:txBody>
-          <a:bodyPr/>
-          <a:lstStyle/>
-          <a:p>
-            <a:endParaRPr lang="en-US"/>
+          <a:bodyPr>
+            <a:normAutofit/>
+          </a:bodyPr>
+          <a:lstStyle/>
+          <a:p>
+            <a:r>
+              <a:rPr lang="en-US" dirty="0"/>
+              <a:t>Parameters: Nothing Interesting</a:t>
+            </a:r>
+          </a:p>
+          <a:p>
+            <a:endParaRPr lang="en-US" dirty="0"/>
+          </a:p>
+          <a:p>
+            <a:r>
+              <a:rPr lang="en-US" dirty="0"/>
+              <a:t>Top Features:</a:t>
+            </a:r>
+          </a:p>
+          <a:p>
+            <a:pPr lvl="2"/>
+            <a:r>
+              <a:rPr lang="en-US" dirty="0"/>
+              <a:t>That would be neat.</a:t>
+            </a:r>
+          </a:p>
+          <a:p>
+            <a:pPr lvl="2"/>
+            <a:r>
+              <a:rPr lang="en-US" dirty="0"/>
+              <a:t>First ensemble attempt combined Linear Regression and Random Forest (2:1) and yielded a 0.1295</a:t>
+            </a:r>
+          </a:p>
+          <a:p>
+            <a:pPr marL="914400" lvl="2" indent="0">
+              <a:buNone/>
+            </a:pPr>
+            <a:endParaRPr lang="en-US" dirty="0"/>
+          </a:p>
+          <a:p>
+            <a:pPr marL="914400" lvl="2" indent="0">
+              <a:buNone/>
+            </a:pPr>
+            <a:endParaRPr lang="en-US" dirty="0"/>
+          </a:p>
+          <a:p>
+            <a:pPr marL="914400" lvl="2" indent="0">
+              <a:buNone/>
+            </a:pPr>
+            <a:endParaRPr lang="en-US" dirty="0"/>
+          </a:p>
+          <a:p>
+            <a:r>
+              <a:rPr lang="en-US" dirty="0"/>
+              <a:t>RMSE: 0.0353</a:t>
+            </a:r>
+          </a:p>
+          <a:p>
+            <a:r>
+              <a:rPr lang="en-US" dirty="0"/>
+              <a:t>KAGGLE: 0.13691</a:t>
+            </a:r>
           </a:p>
         </p:txBody>
       </p:sp>
     </p:spTree>
     <p:extLst>
       <p:ext uri="{BB962C8B-B14F-4D97-AF65-F5344CB8AC3E}">
-        <p14:creationId xmlns:p14="http://schemas.microsoft.com/office/powerpoint/2010/main" val="230814497"/>
+        <p14:creationId xmlns:p14="http://schemas.microsoft.com/office/powerpoint/2010/main" val="971371771"/>
       </p:ext>
     </p:extLst>
   </p:cSld>
@@ -5961,8 +6127,8 @@
           <a:lstStyle/>
           <a:p>
             <a:r>
-              <a:rPr lang="en-US" dirty="0" smtClean="0"/>
-              <a:t>ensemble</a:t>
+              <a:rPr lang="en-US" dirty="0" err="1"/>
+              <a:t>ensembling</a:t>
             </a:r>
             <a:endParaRPr lang="en-US" dirty="0"/>
           </a:p>
@@ -5983,7 +6149,42 @@
           <a:bodyPr/>
           <a:lstStyle/>
           <a:p>
-            <a:endParaRPr lang="en-US"/>
+            <a:r>
+              <a:rPr lang="en-US" dirty="0"/>
+              <a:t>Simple Average improved upon all single model results 0.12671</a:t>
+            </a:r>
+          </a:p>
+          <a:p>
+            <a:r>
+              <a:rPr lang="en-US" dirty="0"/>
+              <a:t>Stacked Regression produced impressive CV scores, and AWFUL Kaggle Scores</a:t>
+            </a:r>
+          </a:p>
+          <a:p>
+            <a:pPr lvl="1"/>
+            <a:r>
+              <a:rPr lang="en-US" dirty="0"/>
+              <a:t>Severe Overfit?</a:t>
+            </a:r>
+          </a:p>
+          <a:p>
+            <a:pPr lvl="1"/>
+            <a:r>
+              <a:rPr lang="en-US" dirty="0"/>
+              <a:t>Implementation Failure?</a:t>
+            </a:r>
+          </a:p>
+          <a:p>
+            <a:r>
+              <a:rPr lang="en-US" dirty="0"/>
+              <a:t>Weighted Averages improved upon the Kaggle Score</a:t>
+            </a:r>
+          </a:p>
+          <a:p>
+            <a:r>
+              <a:rPr lang="en-US" dirty="0"/>
+              <a:t>60-30-10 weighting of top three models (GBM, Regression, XGB) produced best Kaggle Score: 0.12320</a:t>
+            </a:r>
           </a:p>
         </p:txBody>
       </p:sp>
@@ -6033,10 +6234,9 @@
           <a:lstStyle/>
           <a:p>
             <a:r>
-              <a:rPr lang="en-US" dirty="0" smtClean="0"/>
-              <a:t>conclusions</a:t>
-            </a:r>
-            <a:endParaRPr lang="en-US" dirty="0"/>
+              <a:rPr lang="en-US" dirty="0"/>
+              <a:t>Conclusions/Next steps</a:t>
+            </a:r>
           </a:p>
         </p:txBody>
       </p:sp>
@@ -6055,7 +6255,22 @@
           <a:bodyPr/>
           <a:lstStyle/>
           <a:p>
-            <a:endParaRPr lang="en-US"/>
+            <a:r>
+              <a:rPr lang="en-US" dirty="0"/>
+              <a:t>Feature Engineering allows for infinite permutations, and will make or break the outcome</a:t>
+            </a:r>
+          </a:p>
+          <a:p>
+            <a:r>
+              <a:rPr lang="en-US" dirty="0"/>
+              <a:t>Would like to experiment further with other scalars with this data sets, and neighborhood specific modelling</a:t>
+            </a:r>
+          </a:p>
+          <a:p>
+            <a:r>
+              <a:rPr lang="en-US" dirty="0"/>
+              <a:t>Iterative Kaggle submission is addicting – should come with a food pellet</a:t>
+            </a:r>
           </a:p>
         </p:txBody>
       </p:sp>
@@ -6105,10 +6320,9 @@
           <a:lstStyle/>
           <a:p>
             <a:r>
-              <a:rPr lang="en-US" dirty="0" smtClean="0"/>
+              <a:rPr lang="en-US" dirty="0"/>
               <a:t>Introduction</a:t>
             </a:r>
-            <a:endParaRPr lang="en-US" dirty="0"/>
           </a:p>
         </p:txBody>
       </p:sp>
@@ -6128,62 +6342,56 @@
           <a:lstStyle/>
           <a:p>
             <a:r>
-              <a:rPr lang="en-US" sz="2800" dirty="0" smtClean="0"/>
-              <a:t>Data</a:t>
-            </a:r>
-            <a:r>
-              <a:rPr lang="en-US" sz="2800" dirty="0" smtClean="0"/>
-              <a:t>:</a:t>
+              <a:rPr lang="en-US" sz="2800" dirty="0"/>
+              <a:t>Data:</a:t>
             </a:r>
           </a:p>
           <a:p>
             <a:pPr lvl="1"/>
             <a:r>
-              <a:rPr lang="en-US" sz="2800" dirty="0" smtClean="0"/>
+              <a:rPr lang="en-US" sz="2800" dirty="0"/>
               <a:t>79 Features</a:t>
             </a:r>
           </a:p>
           <a:p>
             <a:pPr lvl="1"/>
             <a:r>
-              <a:rPr lang="en-US" sz="2800" dirty="0" smtClean="0"/>
+              <a:rPr lang="en-US" sz="2800" dirty="0"/>
               <a:t>Target variable: </a:t>
             </a:r>
             <a:r>
-              <a:rPr lang="en-US" sz="2800" dirty="0" err="1" smtClean="0"/>
+              <a:rPr lang="en-US" sz="2800" dirty="0" err="1"/>
               <a:t>SalePrice</a:t>
             </a:r>
-            <a:endParaRPr lang="en-US" sz="2800" dirty="0" smtClean="0"/>
+            <a:endParaRPr lang="en-US" sz="2800" dirty="0"/>
           </a:p>
           <a:p>
             <a:pPr lvl="1"/>
             <a:r>
-              <a:rPr lang="en-US" sz="2800" dirty="0" smtClean="0"/>
+              <a:rPr lang="en-US" sz="2800" dirty="0"/>
               <a:t>1460 observations in training set, 1459 in test set</a:t>
             </a:r>
-            <a:endParaRPr lang="en-US" sz="2800" dirty="0" smtClean="0"/>
           </a:p>
           <a:p>
             <a:pPr lvl="1"/>
             <a:r>
-              <a:rPr lang="en-US" sz="2800" dirty="0" smtClean="0"/>
+              <a:rPr lang="en-US" sz="2800" dirty="0"/>
               <a:t>Mix of numerical, categorical, ordinal</a:t>
             </a:r>
           </a:p>
           <a:p>
             <a:pPr lvl="2"/>
             <a:r>
-              <a:rPr lang="en-US" sz="2400" dirty="0" smtClean="0"/>
+              <a:rPr lang="en-US" sz="2400" dirty="0"/>
               <a:t>28 continuous</a:t>
             </a:r>
           </a:p>
           <a:p>
             <a:pPr lvl="2"/>
             <a:r>
-              <a:rPr lang="en-US" sz="2400" dirty="0" smtClean="0"/>
-              <a:t>51 categorical</a:t>
-            </a:r>
-            <a:endParaRPr lang="en-US" sz="2400" dirty="0" smtClean="0"/>
+              <a:rPr lang="en-US" sz="2400" dirty="0"/>
+              <a:t>51 categorical/ordinal</a:t>
+            </a:r>
           </a:p>
           <a:p>
             <a:endParaRPr lang="en-US" dirty="0"/>
@@ -6236,10 +6444,9 @@
           <a:lstStyle/>
           <a:p>
             <a:r>
-              <a:rPr lang="en-US" dirty="0" smtClean="0"/>
+              <a:rPr lang="en-US" dirty="0"/>
               <a:t>MISSINGNESS</a:t>
             </a:r>
-            <a:endParaRPr lang="en-US" dirty="0"/>
           </a:p>
         </p:txBody>
       </p:sp>
@@ -6264,7 +6471,7 @@
           <a:lstStyle/>
           <a:p>
             <a:r>
-              <a:rPr lang="en-US" dirty="0" smtClean="0"/>
+              <a:rPr lang="en-US" dirty="0"/>
               <a:t>34 features missing some data</a:t>
             </a:r>
           </a:p>
@@ -6274,10 +6481,10 @@
               <a:t>We used various techniques for handling </a:t>
             </a:r>
             <a:r>
-              <a:rPr lang="en-US" dirty="0" err="1" smtClean="0"/>
+              <a:rPr lang="en-US" dirty="0" err="1"/>
               <a:t>missingness</a:t>
             </a:r>
-            <a:endParaRPr lang="en-US" dirty="0" smtClean="0"/>
+            <a:endParaRPr lang="en-US" dirty="0"/>
           </a:p>
           <a:p>
             <a:endParaRPr lang="en-US" dirty="0"/>
@@ -6395,11 +6602,11 @@
           <a:lstStyle/>
           <a:p>
             <a:r>
-              <a:rPr lang="en-US" dirty="0" smtClean="0"/>
+              <a:rPr lang="en-US" dirty="0"/>
               <a:t>Handling </a:t>
             </a:r>
             <a:r>
-              <a:rPr lang="en-US" dirty="0" err="1" smtClean="0"/>
+              <a:rPr lang="en-US" dirty="0" err="1"/>
               <a:t>Missingness</a:t>
             </a:r>
             <a:endParaRPr lang="en-US" dirty="0"/>
@@ -6422,46 +6629,46 @@
           <a:lstStyle/>
           <a:p>
             <a:r>
-              <a:rPr lang="en-US" dirty="0" smtClean="0"/>
+              <a:rPr lang="en-US" dirty="0"/>
               <a:t>Garage Year Built = (oldest house year -1)</a:t>
             </a:r>
           </a:p>
           <a:p>
             <a:r>
-              <a:rPr lang="en-US" dirty="0" smtClean="0"/>
+              <a:rPr lang="en-US" dirty="0"/>
               <a:t>Electrical = “unknown”</a:t>
             </a:r>
           </a:p>
           <a:p>
             <a:r>
-              <a:rPr lang="en-US" dirty="0" smtClean="0"/>
+              <a:rPr lang="en-US" dirty="0"/>
               <a:t>Zone, exterior, sale type: missing values in the test set: imputed by comparison to similar properties in neighborhood</a:t>
             </a:r>
           </a:p>
           <a:p>
             <a:r>
-              <a:rPr lang="en-US" dirty="0" err="1" smtClean="0"/>
+              <a:rPr lang="en-US" dirty="0" err="1"/>
               <a:t>LotFrontage</a:t>
             </a:r>
             <a:r>
-              <a:rPr lang="en-US" dirty="0" smtClean="0"/>
-              <a:t>  = median, grouped by neighborhood</a:t>
-            </a:r>
-          </a:p>
-          <a:p>
-            <a:r>
-              <a:rPr lang="en-US" dirty="0" smtClean="0"/>
-              <a:t>Others, imputed 0 or None as appropriate</a:t>
-            </a:r>
-          </a:p>
-          <a:p>
-            <a:endParaRPr lang="en-US" dirty="0"/>
-          </a:p>
-          <a:p>
-            <a:endParaRPr lang="en-US" dirty="0" smtClean="0"/>
-          </a:p>
-          <a:p>
-            <a:endParaRPr lang="en-US" dirty="0" smtClean="0"/>
+              <a:rPr lang="en-US" dirty="0"/>
+              <a:t>  = mean </a:t>
+            </a:r>
+          </a:p>
+          <a:p>
+            <a:r>
+              <a:rPr lang="en-US" dirty="0"/>
+              <a:t>Others: 0 or None as appropriate</a:t>
+            </a:r>
+          </a:p>
+          <a:p>
+            <a:endParaRPr lang="en-US" dirty="0"/>
+          </a:p>
+          <a:p>
+            <a:endParaRPr lang="en-US" dirty="0"/>
+          </a:p>
+          <a:p>
+            <a:endParaRPr lang="en-US" dirty="0"/>
           </a:p>
           <a:p>
             <a:endParaRPr lang="en-US" dirty="0"/>
@@ -6514,10 +6721,9 @@
           <a:lstStyle/>
           <a:p>
             <a:r>
-              <a:rPr lang="en-US" dirty="0" smtClean="0"/>
+              <a:rPr lang="en-US" dirty="0"/>
               <a:t>Processing data</a:t>
             </a:r>
-            <a:endParaRPr lang="en-US" dirty="0"/>
           </a:p>
         </p:txBody>
       </p:sp>
@@ -6591,7 +6797,7 @@
           </a:p>
           <a:p>
             <a:pPr lvl="1"/>
-            <a:endParaRPr lang="en-US" dirty="0" smtClean="0"/>
+            <a:endParaRPr lang="en-US" dirty="0"/>
           </a:p>
           <a:p>
             <a:pPr lvl="1"/>
@@ -6599,26 +6805,29 @@
           </a:p>
           <a:p>
             <a:r>
-              <a:rPr lang="en-US" dirty="0" smtClean="0"/>
-              <a:t>Removed two outliers</a:t>
-            </a:r>
-          </a:p>
-          <a:p>
-            <a:r>
-              <a:rPr lang="en-US" dirty="0" smtClean="0"/>
+              <a:rPr lang="en-US" dirty="0"/>
+              <a:t>Observed two outliers</a:t>
+            </a:r>
+          </a:p>
+          <a:p>
+            <a:r>
+              <a:rPr lang="en-US" dirty="0"/>
               <a:t>Unusual Price/</a:t>
             </a:r>
             <a:r>
-              <a:rPr lang="en-US" dirty="0" err="1" smtClean="0"/>
+              <a:rPr lang="en-US" dirty="0" err="1"/>
               <a:t>TotalSF</a:t>
             </a:r>
             <a:r>
-              <a:rPr lang="en-US" dirty="0" smtClean="0"/>
+              <a:rPr lang="en-US" dirty="0"/>
               <a:t> ratio</a:t>
             </a:r>
           </a:p>
           <a:p>
-            <a:endParaRPr lang="en-US" dirty="0"/>
+            <a:r>
+              <a:rPr lang="en-US" dirty="0"/>
+              <a:t>Chose Robust Scaling for this reason</a:t>
+            </a:r>
           </a:p>
         </p:txBody>
       </p:sp>
@@ -6698,10 +6907,9 @@
           <a:lstStyle/>
           <a:p>
             <a:r>
-              <a:rPr lang="en-US" dirty="0" smtClean="0"/>
+              <a:rPr lang="en-US" dirty="0"/>
               <a:t>Engineering features</a:t>
             </a:r>
-            <a:endParaRPr lang="en-US" dirty="0"/>
           </a:p>
         </p:txBody>
       </p:sp>
@@ -6721,109 +6929,108 @@
           <a:lstStyle/>
           <a:p>
             <a:r>
-              <a:rPr lang="en-US" dirty="0" smtClean="0"/>
+              <a:rPr lang="en-US" dirty="0"/>
               <a:t>Calculated </a:t>
             </a:r>
             <a:r>
-              <a:rPr lang="en-US" dirty="0" err="1" smtClean="0"/>
+              <a:rPr lang="en-US" dirty="0" err="1"/>
               <a:t>TotalSF</a:t>
             </a:r>
-            <a:endParaRPr lang="en-US" dirty="0" smtClean="0"/>
-          </a:p>
-          <a:p>
-            <a:r>
-              <a:rPr lang="en-US" dirty="0" smtClean="0"/>
+            <a:endParaRPr lang="en-US" dirty="0"/>
+          </a:p>
+          <a:p>
+            <a:r>
+              <a:rPr lang="en-US" dirty="0"/>
               <a:t>Calculated </a:t>
             </a:r>
             <a:r>
-              <a:rPr lang="en-US" dirty="0" err="1" smtClean="0"/>
+              <a:rPr lang="en-US" dirty="0" err="1"/>
               <a:t>PorchSF</a:t>
             </a:r>
-            <a:endParaRPr lang="en-US" dirty="0" smtClean="0"/>
-          </a:p>
-          <a:p>
-            <a:r>
-              <a:rPr lang="en-US" dirty="0" smtClean="0"/>
+            <a:endParaRPr lang="en-US" dirty="0"/>
+          </a:p>
+          <a:p>
+            <a:r>
+              <a:rPr lang="en-US" dirty="0"/>
               <a:t>Converted Porch type to dummies</a:t>
             </a:r>
           </a:p>
           <a:p>
             <a:r>
-              <a:rPr lang="en-US" dirty="0" smtClean="0"/>
-              <a:t>Replaced remodel year with a Boolean value</a:t>
-            </a:r>
-          </a:p>
-          <a:p>
-            <a:r>
-              <a:rPr lang="en-US" dirty="0" smtClean="0"/>
-              <a:t>Normalization </a:t>
-            </a:r>
-            <a:r>
-              <a:rPr lang="mr-IN" dirty="0" smtClean="0"/>
+              <a:rPr lang="en-US" dirty="0"/>
+              <a:t>Replaced remodel year with a Boolean value “Remodeled”</a:t>
+            </a:r>
+          </a:p>
+          <a:p>
+            <a:r>
+              <a:rPr lang="en-US" dirty="0"/>
+              <a:t>‘Normalization </a:t>
+            </a:r>
+            <a:r>
+              <a:rPr lang="mr-IN" dirty="0"/>
               <a:t>–</a:t>
             </a:r>
             <a:r>
-              <a:rPr lang="en-US" dirty="0" smtClean="0"/>
+              <a:rPr lang="en-US" dirty="0"/>
               <a:t> used Robust Scalar</a:t>
             </a:r>
           </a:p>
           <a:p>
             <a:r>
-              <a:rPr lang="en-US" dirty="0" smtClean="0"/>
+              <a:rPr lang="en-US" dirty="0"/>
               <a:t>Transformation: Log(</a:t>
             </a:r>
             <a:r>
-              <a:rPr lang="en-US" dirty="0" err="1" smtClean="0"/>
+              <a:rPr lang="en-US" dirty="0" err="1"/>
               <a:t>SalePrice</a:t>
             </a:r>
             <a:r>
-              <a:rPr lang="en-US" dirty="0" smtClean="0"/>
+              <a:rPr lang="en-US" dirty="0"/>
               <a:t>), Log(</a:t>
             </a:r>
             <a:r>
-              <a:rPr lang="en-US" dirty="0" err="1" smtClean="0"/>
+              <a:rPr lang="en-US" dirty="0" err="1"/>
               <a:t>LotArea</a:t>
             </a:r>
             <a:r>
-              <a:rPr lang="en-US" dirty="0" smtClean="0"/>
+              <a:rPr lang="en-US" dirty="0"/>
               <a:t>)</a:t>
             </a:r>
           </a:p>
           <a:p>
             <a:r>
-              <a:rPr lang="en-US" dirty="0" smtClean="0"/>
+              <a:rPr lang="en-US" dirty="0"/>
               <a:t>Tried:</a:t>
             </a:r>
           </a:p>
           <a:p>
             <a:pPr lvl="1"/>
             <a:r>
-              <a:rPr lang="en-US" dirty="0" smtClean="0"/>
+              <a:rPr lang="en-US" dirty="0"/>
               <a:t>Recession dummy </a:t>
             </a:r>
             <a:r>
-              <a:rPr lang="mr-IN" dirty="0" smtClean="0"/>
+              <a:rPr lang="mr-IN" dirty="0"/>
               <a:t>–</a:t>
             </a:r>
             <a:r>
-              <a:rPr lang="en-US" dirty="0" smtClean="0"/>
-              <a:t> 1 if Dec2007-June2009, else 0</a:t>
+              <a:rPr lang="en-US" dirty="0"/>
+              <a:t> 1 if Sale Dec2007-June2009, else 0</a:t>
             </a:r>
           </a:p>
           <a:p>
             <a:pPr lvl="1"/>
             <a:r>
-              <a:rPr lang="en-US" dirty="0" smtClean="0"/>
+              <a:rPr lang="en-US" dirty="0"/>
               <a:t>Total Baths</a:t>
             </a:r>
           </a:p>
           <a:p>
             <a:pPr lvl="1"/>
             <a:r>
-              <a:rPr lang="en-US" dirty="0" smtClean="0"/>
+              <a:rPr lang="en-US" dirty="0"/>
               <a:t>Years old vs. Year build</a:t>
             </a:r>
-            <a:endParaRPr lang="en-US" dirty="0"/>
           </a:p>
         </p:txBody>
       </p:sp>
@@ -6873,10 +7080,9 @@
           <a:lstStyle/>
           <a:p>
             <a:r>
-              <a:rPr lang="en-US" dirty="0" smtClean="0"/>
+              <a:rPr lang="en-US" dirty="0"/>
               <a:t>Models USED</a:t>
             </a:r>
-            <a:endParaRPr lang="en-US" dirty="0"/>
           </a:p>
         </p:txBody>
       </p:sp>
@@ -6939,29 +7145,23 @@
             <p:ph type="title"/>
           </p:nvPr>
         </p:nvSpPr>
-        <p:spPr>
-          <a:xfrm>
-            <a:off x="2381693" y="764373"/>
-            <a:ext cx="9124507" cy="1293028"/>
-          </a:xfrm>
-        </p:spPr>
-        <p:txBody>
-          <a:bodyPr/>
-          <a:lstStyle/>
-          <a:p>
-            <a:r>
-              <a:rPr lang="en-US" dirty="0" smtClean="0"/>
-              <a:t>Model1 </a:t>
-            </a:r>
-            <a:r>
-              <a:rPr lang="mr-IN" dirty="0" smtClean="0"/>
+        <p:spPr/>
+        <p:txBody>
+          <a:bodyPr/>
+          <a:lstStyle/>
+          <a:p>
+            <a:r>
+              <a:rPr lang="en-US" dirty="0"/>
+              <a:t>Model 1 </a:t>
+            </a:r>
+            <a:r>
+              <a:rPr lang="mr-IN" dirty="0"/>
               <a:t>–</a:t>
             </a:r>
             <a:r>
-              <a:rPr lang="en-US" dirty="0" smtClean="0"/>
-              <a:t> OLS Linear Regression</a:t>
-            </a:r>
-            <a:endParaRPr lang="en-US" dirty="0"/>
+              <a:rPr lang="en-US" dirty="0"/>
+              <a:t> Random forest</a:t>
+            </a:r>
           </a:p>
         </p:txBody>
       </p:sp>
@@ -6977,17 +7177,104 @@
         </p:nvSpPr>
         <p:spPr/>
         <p:txBody>
-          <a:bodyPr/>
-          <a:lstStyle/>
-          <a:p>
-            <a:endParaRPr lang="en-US"/>
+          <a:bodyPr>
+            <a:normAutofit/>
+          </a:bodyPr>
+          <a:lstStyle/>
+          <a:p>
+            <a:r>
+              <a:rPr lang="en-US" dirty="0"/>
+              <a:t>Parameters: bootstrap=False, </a:t>
+            </a:r>
+            <a:r>
+              <a:rPr lang="en-US" dirty="0" err="1"/>
+              <a:t>max_features</a:t>
+            </a:r>
+            <a:r>
+              <a:rPr lang="en-US" dirty="0"/>
+              <a:t>='sqrt', </a:t>
+            </a:r>
+            <a:r>
+              <a:rPr lang="en-US" dirty="0" err="1"/>
+              <a:t>min_samples_leaf</a:t>
+            </a:r>
+            <a:r>
+              <a:rPr lang="en-US" dirty="0"/>
+              <a:t>=1, 			 </a:t>
+            </a:r>
+            <a:r>
+              <a:rPr lang="en-US" dirty="0" err="1"/>
+              <a:t>min_samples_split</a:t>
+            </a:r>
+            <a:r>
+              <a:rPr lang="en-US" dirty="0"/>
+              <a:t>=2, </a:t>
+            </a:r>
+            <a:r>
+              <a:rPr lang="en-US" dirty="0" err="1"/>
+              <a:t>n_estimators</a:t>
+            </a:r>
+            <a:r>
+              <a:rPr lang="en-US" dirty="0"/>
+              <a:t>=800</a:t>
+            </a:r>
+          </a:p>
+          <a:p>
+            <a:r>
+              <a:rPr lang="en-US" dirty="0"/>
+              <a:t>Top Features:</a:t>
+            </a:r>
+          </a:p>
+          <a:p>
+            <a:pPr lvl="2"/>
+            <a:r>
+              <a:rPr lang="en-US" dirty="0" err="1"/>
+              <a:t>TotalSF</a:t>
+            </a:r>
+            <a:endParaRPr lang="en-US" dirty="0"/>
+          </a:p>
+          <a:p>
+            <a:pPr lvl="2"/>
+            <a:r>
+              <a:rPr lang="en-US" dirty="0"/>
+              <a:t>Overall Quality</a:t>
+            </a:r>
+          </a:p>
+          <a:p>
+            <a:pPr lvl="2"/>
+            <a:r>
+              <a:rPr lang="en-US" dirty="0"/>
+              <a:t>Gross Living Area</a:t>
+            </a:r>
+          </a:p>
+          <a:p>
+            <a:pPr lvl="2"/>
+            <a:r>
+              <a:rPr lang="en-US" dirty="0"/>
+              <a:t>Exterior Quality</a:t>
+            </a:r>
+          </a:p>
+          <a:p>
+            <a:endParaRPr lang="en-US" dirty="0"/>
+          </a:p>
+          <a:p>
+            <a:r>
+              <a:rPr lang="en-US" dirty="0"/>
+              <a:t>RMSE: 0.0192</a:t>
+            </a:r>
+          </a:p>
+          <a:p>
+            <a:r>
+              <a:rPr lang="en-US" dirty="0"/>
+              <a:t>KAGGLE: 0.14294</a:t>
+            </a:r>
           </a:p>
         </p:txBody>
       </p:sp>
     </p:spTree>
     <p:extLst>
       <p:ext uri="{BB962C8B-B14F-4D97-AF65-F5344CB8AC3E}">
-        <p14:creationId xmlns:p14="http://schemas.microsoft.com/office/powerpoint/2010/main" val="971371771"/>
+        <p14:creationId xmlns:p14="http://schemas.microsoft.com/office/powerpoint/2010/main" val="2091621049"/>
       </p:ext>
     </p:extLst>
   </p:cSld>
@@ -7030,18 +7317,17 @@
           <a:lstStyle/>
           <a:p>
             <a:r>
-              <a:rPr lang="en-US" dirty="0" smtClean="0"/>
+              <a:rPr lang="en-US" dirty="0"/>
               <a:t>Model 2 </a:t>
             </a:r>
             <a:r>
-              <a:rPr lang="mr-IN" dirty="0" smtClean="0"/>
+              <a:rPr lang="mr-IN" dirty="0"/>
               <a:t>–</a:t>
             </a:r>
             <a:r>
-              <a:rPr lang="en-US" dirty="0" smtClean="0"/>
-              <a:t> elastic net</a:t>
-            </a:r>
-            <a:endParaRPr lang="en-US" dirty="0"/>
+              <a:rPr lang="en-US" dirty="0"/>
+              <a:t> gradient boost</a:t>
+            </a:r>
           </a:p>
         </p:txBody>
       </p:sp>
@@ -7057,17 +7343,122 @@
         </p:nvSpPr>
         <p:spPr/>
         <p:txBody>
-          <a:bodyPr/>
-          <a:lstStyle/>
-          <a:p>
-            <a:endParaRPr lang="en-US"/>
+          <a:bodyPr>
+            <a:normAutofit/>
+          </a:bodyPr>
+          <a:lstStyle/>
+          <a:p>
+            <a:r>
+              <a:rPr lang="en-US" dirty="0"/>
+              <a:t>Parameters: alpha=0.9, </a:t>
+            </a:r>
+            <a:r>
+              <a:rPr lang="en-US" dirty="0" err="1"/>
+              <a:t>learning_rate</a:t>
+            </a:r>
+            <a:r>
+              <a:rPr lang="en-US" dirty="0"/>
+              <a:t>=0.01, </a:t>
+            </a:r>
+            <a:r>
+              <a:rPr lang="en-US" dirty="0" err="1"/>
+              <a:t>max_depth</a:t>
+            </a:r>
+            <a:r>
+              <a:rPr lang="en-US" dirty="0"/>
+              <a:t>=5, 					 </a:t>
+            </a:r>
+            <a:r>
+              <a:rPr lang="en-US" dirty="0" err="1"/>
+              <a:t>max_features</a:t>
+            </a:r>
+            <a:r>
+              <a:rPr lang="en-US" dirty="0"/>
+              <a:t>='sqrt', </a:t>
+            </a:r>
+            <a:r>
+              <a:rPr lang="en-US" dirty="0" err="1"/>
+              <a:t>min_samples_leaf</a:t>
+            </a:r>
+            <a:r>
+              <a:rPr lang="en-US" dirty="0"/>
+              <a:t>=1, 					 </a:t>
+            </a:r>
+            <a:r>
+              <a:rPr lang="en-US" dirty="0" err="1"/>
+              <a:t>min_samples_split</a:t>
+            </a:r>
+            <a:r>
+              <a:rPr lang="en-US" dirty="0"/>
+              <a:t>=10, </a:t>
+            </a:r>
+            <a:r>
+              <a:rPr lang="en-US" dirty="0" err="1"/>
+              <a:t>n_estimators</a:t>
+            </a:r>
+            <a:r>
+              <a:rPr lang="en-US" dirty="0"/>
+              <a:t>=1200</a:t>
+            </a:r>
+          </a:p>
+          <a:p>
+            <a:r>
+              <a:rPr lang="en-US" dirty="0"/>
+              <a:t>Top Features:</a:t>
+            </a:r>
+          </a:p>
+          <a:p>
+            <a:pPr lvl="2"/>
+            <a:r>
+              <a:rPr lang="en-US" dirty="0"/>
+              <a:t>Overall Condition</a:t>
+            </a:r>
+          </a:p>
+          <a:p>
+            <a:pPr lvl="2"/>
+            <a:r>
+              <a:rPr lang="en-US" dirty="0"/>
+              <a:t>Total SF</a:t>
+            </a:r>
+          </a:p>
+          <a:p>
+            <a:pPr lvl="2"/>
+            <a:r>
+              <a:rPr lang="en-US" dirty="0"/>
+              <a:t>Lot Area</a:t>
+            </a:r>
+          </a:p>
+          <a:p>
+            <a:pPr lvl="2"/>
+            <a:r>
+              <a:rPr lang="en-US" dirty="0"/>
+              <a:t>Gross Living Area</a:t>
+            </a:r>
+          </a:p>
+          <a:p>
+            <a:endParaRPr lang="en-US" dirty="0"/>
+          </a:p>
+          <a:p>
+            <a:r>
+              <a:rPr lang="en-US" dirty="0"/>
+              <a:t>RMSE: 0.0148</a:t>
+            </a:r>
+          </a:p>
+          <a:p>
+            <a:r>
+              <a:rPr lang="en-US" dirty="0"/>
+              <a:t>KAGGLE: 0.12707</a:t>
+            </a:r>
+          </a:p>
+          <a:p>
+            <a:endParaRPr lang="en-US" dirty="0"/>
           </a:p>
         </p:txBody>
       </p:sp>
     </p:spTree>
     <p:extLst>
       <p:ext uri="{BB962C8B-B14F-4D97-AF65-F5344CB8AC3E}">
-        <p14:creationId xmlns:p14="http://schemas.microsoft.com/office/powerpoint/2010/main" val="2091621049"/>
+        <p14:creationId xmlns:p14="http://schemas.microsoft.com/office/powerpoint/2010/main" val="851952222"/>
       </p:ext>
     </p:extLst>
   </p:cSld>

--- a/MLPresentationFightingMongooses.pptx
+++ b/MLPresentationFightingMongooses.pptx
@@ -7101,7 +7101,29 @@
           <a:bodyPr/>
           <a:lstStyle/>
           <a:p>
-            <a:endParaRPr lang="en-US"/>
+            <a:r>
+              <a:rPr lang="en-US" dirty="0"/>
+              <a:t>Linear Regression</a:t>
+            </a:r>
+          </a:p>
+          <a:p>
+            <a:r>
+              <a:rPr lang="en-US" dirty="0"/>
+              <a:t>Random Forest</a:t>
+            </a:r>
+          </a:p>
+          <a:p>
+            <a:r>
+              <a:rPr lang="en-US" dirty="0"/>
+              <a:t>Gradient Boosting Regression</a:t>
+            </a:r>
+          </a:p>
+          <a:p>
+            <a:r>
+              <a:rPr lang="en-US" dirty="0" err="1"/>
+              <a:t>XGBoost</a:t>
+            </a:r>
+            <a:endParaRPr lang="en-US" dirty="0"/>
           </a:p>
         </p:txBody>
       </p:sp>

--- a/MLPresentationFightingMongooses.pptx
+++ b/MLPresentationFightingMongooses.pptx
@@ -6039,7 +6039,7 @@
             <a:pPr lvl="2"/>
             <a:r>
               <a:rPr lang="en-US" dirty="0"/>
-              <a:t>That would be neat.</a:t>
+              <a:t>Standard Linear Regression outperformed Ridge slightly, and Lasso massively.</a:t>
             </a:r>
           </a:p>
           <a:p>
@@ -7103,7 +7103,7 @@
           <a:p>
             <a:r>
               <a:rPr lang="en-US" dirty="0"/>
-              <a:t>Linear Regression</a:t>
+              <a:t>Linear Regression (Standard, Ridge and Lasso)</a:t>
             </a:r>
           </a:p>
           <a:p>
